--- a/week01/lecture.pptx
+++ b/week01/lecture.pptx
@@ -316,7 +316,7 @@
           <a:p>
             <a:fld id="{241EB5C9-1307-BA42-ABA2-0BC069CD8E7F}" type="datetimeFigureOut">
               <a:rPr lang="en-US" smtClean="0"/>
-              <a:t>1/31/22</a:t>
+              <a:t>9/29/24</a:t>
             </a:fld>
             <a:endParaRPr lang="en-US"/>
           </a:p>
@@ -445,7 +445,7 @@
             <a:lvl1pPr>
               <a:defRPr>
                 <a:solidFill>
-                  <a:srgbClr val="DC322F"/>
+                  <a:schemeClr val="tx1"/>
                 </a:solidFill>
               </a:defRPr>
             </a:lvl1pPr>
@@ -540,7 +540,7 @@
           <a:p>
             <a:fld id="{241EB5C9-1307-BA42-ABA2-0BC069CD8E7F}" type="datetimeFigureOut">
               <a:rPr lang="en-US" smtClean="0"/>
-              <a:t>1/31/22</a:t>
+              <a:t>9/29/24</a:t>
             </a:fld>
             <a:endParaRPr lang="en-US"/>
           </a:p>
@@ -769,7 +769,7 @@
           <a:p>
             <a:fld id="{241EB5C9-1307-BA42-ABA2-0BC069CD8E7F}" type="datetimeFigureOut">
               <a:rPr lang="en-US" smtClean="0"/>
-              <a:t>1/31/22</a:t>
+              <a:t>9/29/24</a:t>
             </a:fld>
             <a:endParaRPr lang="en-US"/>
           </a:p>
@@ -945,7 +945,7 @@
               <a:buNone/>
               <a:defRPr sz="2000" b="0">
                 <a:solidFill>
-                  <a:srgbClr val="DC322F"/>
+                  <a:schemeClr val="tx1"/>
                 </a:solidFill>
               </a:defRPr>
             </a:lvl1pPr>
@@ -1062,7 +1062,7 @@
           <a:p>
             <a:fld id="{241EB5C9-1307-BA42-ABA2-0BC069CD8E7F}" type="datetimeFigureOut">
               <a:rPr lang="en-US" smtClean="0"/>
-              <a:t>1/31/22</a:t>
+              <a:t>9/29/24</a:t>
             </a:fld>
             <a:endParaRPr lang="en-US"/>
           </a:p>
@@ -1193,7 +1193,7 @@
             <a:lvl1pPr>
               <a:defRPr sz="3200">
                 <a:solidFill>
-                  <a:srgbClr val="DC322F"/>
+                  <a:schemeClr val="tx1"/>
                 </a:solidFill>
                 <a:latin typeface="Trebuchet MS" panose="020B0703020202090204" pitchFamily="34" charset="0"/>
                 <a:cs typeface="Arial" panose="020B0604020202020204" pitchFamily="34" charset="0"/>
@@ -1336,7 +1336,7 @@
           <a:p>
             <a:fld id="{241EB5C9-1307-BA42-ABA2-0BC069CD8E7F}" type="datetimeFigureOut">
               <a:rPr lang="en-US" smtClean="0"/>
-              <a:t>1/31/22</a:t>
+              <a:t>9/29/24</a:t>
             </a:fld>
             <a:endParaRPr lang="en-US"/>
           </a:p>
@@ -1504,7 +1504,7 @@
           <a:p>
             <a:fld id="{241EB5C9-1307-BA42-ABA2-0BC069CD8E7F}" type="datetimeFigureOut">
               <a:rPr lang="en-US" smtClean="0"/>
-              <a:t>1/31/22</a:t>
+              <a:t>9/29/24</a:t>
             </a:fld>
             <a:endParaRPr lang="en-US"/>
           </a:p>
@@ -1633,7 +1633,7 @@
             <a:lvl1pPr>
               <a:defRPr>
                 <a:solidFill>
-                  <a:srgbClr val="DC322F"/>
+                  <a:schemeClr val="tx1"/>
                 </a:solidFill>
               </a:defRPr>
             </a:lvl1pPr>
@@ -1858,7 +1858,7 @@
           <a:p>
             <a:fld id="{241EB5C9-1307-BA42-ABA2-0BC069CD8E7F}" type="datetimeFigureOut">
               <a:rPr lang="en-US" smtClean="0"/>
-              <a:t>1/31/22</a:t>
+              <a:t>9/29/24</a:t>
             </a:fld>
             <a:endParaRPr lang="en-US"/>
           </a:p>
@@ -1987,7 +1987,7 @@
             <a:lvl1pPr>
               <a:defRPr>
                 <a:solidFill>
-                  <a:srgbClr val="DC322F"/>
+                  <a:schemeClr val="tx1"/>
                 </a:solidFill>
               </a:defRPr>
             </a:lvl1pPr>
@@ -2304,7 +2304,7 @@
           <a:p>
             <a:fld id="{241EB5C9-1307-BA42-ABA2-0BC069CD8E7F}" type="datetimeFigureOut">
               <a:rPr lang="en-US" smtClean="0"/>
-              <a:t>1/31/22</a:t>
+              <a:t>9/29/24</a:t>
             </a:fld>
             <a:endParaRPr lang="en-US"/>
           </a:p>
@@ -2470,7 +2470,7 @@
           <a:p>
             <a:fld id="{241EB5C9-1307-BA42-ABA2-0BC069CD8E7F}" type="datetimeFigureOut">
               <a:rPr lang="en-US" smtClean="0"/>
-              <a:t>1/31/22</a:t>
+              <a:t>9/29/24</a:t>
             </a:fld>
             <a:endParaRPr lang="en-US"/>
           </a:p>
@@ -2591,7 +2591,7 @@
           <a:p>
             <a:fld id="{241EB5C9-1307-BA42-ABA2-0BC069CD8E7F}" type="datetimeFigureOut">
               <a:rPr lang="en-US" smtClean="0"/>
-              <a:t>1/31/22</a:t>
+              <a:t>9/29/24</a:t>
             </a:fld>
             <a:endParaRPr lang="en-US"/>
           </a:p>
@@ -2722,7 +2722,7 @@
             <a:lvl1pPr>
               <a:defRPr sz="2800">
                 <a:solidFill>
-                  <a:srgbClr val="DC322F"/>
+                  <a:schemeClr val="tx1"/>
                 </a:solidFill>
               </a:defRPr>
             </a:lvl1pPr>
@@ -2923,7 +2923,7 @@
           <a:p>
             <a:fld id="{241EB5C9-1307-BA42-ABA2-0BC069CD8E7F}" type="datetimeFigureOut">
               <a:rPr lang="en-US" smtClean="0"/>
-              <a:t>1/31/22</a:t>
+              <a:t>9/29/24</a:t>
             </a:fld>
             <a:endParaRPr lang="en-US"/>
           </a:p>
@@ -3054,7 +3054,7 @@
             <a:lvl1pPr>
               <a:defRPr sz="2800">
                 <a:solidFill>
-                  <a:srgbClr val="DC322F"/>
+                  <a:schemeClr val="tx1"/>
                 </a:solidFill>
               </a:defRPr>
             </a:lvl1pPr>
@@ -3235,7 +3235,7 @@
           <a:p>
             <a:fld id="{241EB5C9-1307-BA42-ABA2-0BC069CD8E7F}" type="datetimeFigureOut">
               <a:rPr lang="en-US" smtClean="0"/>
-              <a:t>1/31/22</a:t>
+              <a:t>9/29/24</a:t>
             </a:fld>
             <a:endParaRPr lang="en-US"/>
           </a:p>
@@ -3322,7 +3322,7 @@
     <p:bg>
       <p:bgPr>
         <a:solidFill>
-          <a:srgbClr val="FFF8E7"/>
+          <a:srgbClr val="FFFCF2"/>
         </a:solidFill>
         <a:effectLst/>
       </p:bgPr>
@@ -3450,7 +3450,7 @@
           <a:p>
             <a:fld id="{241EB5C9-1307-BA42-ABA2-0BC069CD8E7F}" type="datetimeFigureOut">
               <a:rPr lang="en-US" smtClean="0"/>
-              <a:t>1/31/22</a:t>
+              <a:t>9/29/24</a:t>
             </a:fld>
             <a:endParaRPr lang="en-US"/>
           </a:p>
@@ -3585,6 +3585,36 @@
           </a:p>
         </p:txBody>
       </p:sp>
+      <p:pic>
+        <p:nvPicPr>
+          <p:cNvPr descr="A cartoon monkey holding a magnifying glass  Description automatically generated" id="2" name="Picture 1">
+            <a:extLst>
+              <a:ext uri="{FF2B5EF4-FFF2-40B4-BE49-F238E27FC236}">
+                <a16:creationId xmlns:a16="http://schemas.microsoft.com/office/drawing/2014/main" id="{72DC9D06-A870-D4AB-1948-5435052EE000}"/>
+              </a:ext>
+            </a:extLst>
+          </p:cNvPr>
+          <p:cNvPicPr>
+            <a:picLocks noChangeAspect="1"/>
+          </p:cNvPicPr>
+          <p:nvPr userDrawn="1"/>
+        </p:nvPicPr>
+        <p:blipFill>
+          <a:blip r:embed="rId14"/>
+          <a:stretch>
+            <a:fillRect/>
+          </a:stretch>
+        </p:blipFill>
+        <p:spPr>
+          <a:xfrm>
+            <a:off x="11056677" y="5670030"/>
+            <a:ext cx="1051446" cy="1051446"/>
+          </a:xfrm>
+          <a:prstGeom prst="rect">
+            <a:avLst/>
+          </a:prstGeom>
+        </p:spPr>
+      </p:pic>
     </p:spTree>
     <p:extLst>
       <p:ext uri="{BB962C8B-B14F-4D97-AF65-F5344CB8AC3E}">
@@ -3619,9 +3649,9 @@
         <a:buNone/>
         <a:defRPr b="1" baseline="0" i="0" kern="1200" sz="3200">
           <a:solidFill>
-            <a:srgbClr val="DC322F"/>
+            <a:schemeClr val="tx1"/>
           </a:solidFill>
-          <a:latin charset="0" panose="020B0703020202090204" pitchFamily="34" typeface="Trebuchet MS"/>
+          <a:latin charset="0" pitchFamily="2" typeface="Atkinson Hyperlegible"/>
           <a:ea typeface="+mj-ea"/>
           <a:cs charset="-79" panose="020B0502020104020203" pitchFamily="34" typeface="Gill Sans"/>
         </a:defRPr>
@@ -3641,7 +3671,7 @@
           <a:solidFill>
             <a:srgbClr val="1A1A1A"/>
           </a:solidFill>
-          <a:latin charset="0" panose="020B0604020202020204" pitchFamily="34" typeface="Arial"/>
+          <a:latin charset="0" pitchFamily="2" typeface="Atkinson Hyperlegible"/>
           <a:ea typeface="+mn-ea"/>
           <a:cs charset="0" panose="020B0604020202020204" pitchFamily="34" typeface="Arial"/>
         </a:defRPr>
@@ -3659,7 +3689,7 @@
           <a:solidFill>
             <a:srgbClr val="1A1A1A"/>
           </a:solidFill>
-          <a:latin charset="0" panose="020B0604020202020204" pitchFamily="34" typeface="Arial"/>
+          <a:latin charset="0" pitchFamily="2" typeface="Atkinson Hyperlegible"/>
           <a:ea typeface="+mn-ea"/>
           <a:cs charset="0" panose="020B0604020202020204" pitchFamily="34" typeface="Arial"/>
         </a:defRPr>
@@ -3677,7 +3707,7 @@
           <a:solidFill>
             <a:srgbClr val="1A1A1A"/>
           </a:solidFill>
-          <a:latin charset="0" panose="020B0604020202020204" pitchFamily="34" typeface="Arial"/>
+          <a:latin charset="0" pitchFamily="2" typeface="Atkinson Hyperlegible"/>
           <a:ea typeface="+mn-ea"/>
           <a:cs charset="0" panose="020B0604020202020204" pitchFamily="34" typeface="Arial"/>
         </a:defRPr>
@@ -3695,7 +3725,7 @@
           <a:solidFill>
             <a:srgbClr val="1A1A1A"/>
           </a:solidFill>
-          <a:latin charset="0" panose="020B0604020202020204" pitchFamily="34" typeface="Arial"/>
+          <a:latin charset="0" pitchFamily="2" typeface="Atkinson Hyperlegible"/>
           <a:ea typeface="+mn-ea"/>
           <a:cs charset="0" panose="020B0604020202020204" pitchFamily="34" typeface="Arial"/>
         </a:defRPr>
@@ -3713,7 +3743,7 @@
           <a:solidFill>
             <a:srgbClr val="1A1A1A"/>
           </a:solidFill>
-          <a:latin charset="0" panose="020B0604020202020204" pitchFamily="34" typeface="Arial"/>
+          <a:latin charset="0" pitchFamily="2" typeface="Atkinson Hyperlegible"/>
           <a:ea typeface="+mn-ea"/>
           <a:cs charset="0" panose="020B0604020202020204" pitchFamily="34" typeface="Arial"/>
         </a:defRPr>
